--- a/random-processing.pptx
+++ b/random-processing.pptx
@@ -104,6 +104,11 @@
       </a:defRPr>
     </a:lvl9pPr>
   </p:defaultTextStyle>
+  <p:extLst>
+    <p:ext uri="{EFAFB233-063F-42B5-8137-9DF3F51BA10A}">
+      <p15:sldGuideLst xmlns:p15="http://schemas.microsoft.com/office/powerpoint/2012/main"/>
+    </p:ext>
+  </p:extLst>
 </p:presentation>
 </file>
 
@@ -3780,7 +3785,7 @@
           </a:prstGeom>
           <a:ln>
             <a:solidFill>
-              <a:srgbClr val="92D050"/>
+              <a:srgbClr val="00B050"/>
             </a:solidFill>
             <a:tailEnd type="triangle"/>
           </a:ln>
@@ -3818,7 +3823,7 @@
           </a:prstGeom>
           <a:ln>
             <a:solidFill>
-              <a:srgbClr val="92D050"/>
+              <a:srgbClr val="0070C0"/>
             </a:solidFill>
             <a:tailEnd type="triangle"/>
           </a:ln>
@@ -3856,7 +3861,7 @@
           </a:prstGeom>
           <a:ln>
             <a:solidFill>
-              <a:srgbClr val="92D050"/>
+              <a:srgbClr val="002060"/>
             </a:solidFill>
             <a:tailEnd type="triangle"/>
           </a:ln>

--- a/random-processing.pptx
+++ b/random-processing.pptx
@@ -243,7 +243,7 @@
           <a:p>
             <a:fld id="{18F17D03-6466-4390-8E0E-FBC270D75924}" type="datetimeFigureOut">
               <a:rPr lang="nl-NL" smtClean="0"/>
-              <a:t>25-1-2021</a:t>
+              <a:t>27-1-2021</a:t>
             </a:fld>
             <a:endParaRPr lang="nl-NL"/>
           </a:p>
@@ -413,7 +413,7 @@
           <a:p>
             <a:fld id="{18F17D03-6466-4390-8E0E-FBC270D75924}" type="datetimeFigureOut">
               <a:rPr lang="nl-NL" smtClean="0"/>
-              <a:t>25-1-2021</a:t>
+              <a:t>27-1-2021</a:t>
             </a:fld>
             <a:endParaRPr lang="nl-NL"/>
           </a:p>
@@ -593,7 +593,7 @@
           <a:p>
             <a:fld id="{18F17D03-6466-4390-8E0E-FBC270D75924}" type="datetimeFigureOut">
               <a:rPr lang="nl-NL" smtClean="0"/>
-              <a:t>25-1-2021</a:t>
+              <a:t>27-1-2021</a:t>
             </a:fld>
             <a:endParaRPr lang="nl-NL"/>
           </a:p>
@@ -763,7 +763,7 @@
           <a:p>
             <a:fld id="{18F17D03-6466-4390-8E0E-FBC270D75924}" type="datetimeFigureOut">
               <a:rPr lang="nl-NL" smtClean="0"/>
-              <a:t>25-1-2021</a:t>
+              <a:t>27-1-2021</a:t>
             </a:fld>
             <a:endParaRPr lang="nl-NL"/>
           </a:p>
@@ -1009,7 +1009,7 @@
           <a:p>
             <a:fld id="{18F17D03-6466-4390-8E0E-FBC270D75924}" type="datetimeFigureOut">
               <a:rPr lang="nl-NL" smtClean="0"/>
-              <a:t>25-1-2021</a:t>
+              <a:t>27-1-2021</a:t>
             </a:fld>
             <a:endParaRPr lang="nl-NL"/>
           </a:p>
@@ -1241,7 +1241,7 @@
           <a:p>
             <a:fld id="{18F17D03-6466-4390-8E0E-FBC270D75924}" type="datetimeFigureOut">
               <a:rPr lang="nl-NL" smtClean="0"/>
-              <a:t>25-1-2021</a:t>
+              <a:t>27-1-2021</a:t>
             </a:fld>
             <a:endParaRPr lang="nl-NL"/>
           </a:p>
@@ -1608,7 +1608,7 @@
           <a:p>
             <a:fld id="{18F17D03-6466-4390-8E0E-FBC270D75924}" type="datetimeFigureOut">
               <a:rPr lang="nl-NL" smtClean="0"/>
-              <a:t>25-1-2021</a:t>
+              <a:t>27-1-2021</a:t>
             </a:fld>
             <a:endParaRPr lang="nl-NL"/>
           </a:p>
@@ -1726,7 +1726,7 @@
           <a:p>
             <a:fld id="{18F17D03-6466-4390-8E0E-FBC270D75924}" type="datetimeFigureOut">
               <a:rPr lang="nl-NL" smtClean="0"/>
-              <a:t>25-1-2021</a:t>
+              <a:t>27-1-2021</a:t>
             </a:fld>
             <a:endParaRPr lang="nl-NL"/>
           </a:p>
@@ -1821,7 +1821,7 @@
           <a:p>
             <a:fld id="{18F17D03-6466-4390-8E0E-FBC270D75924}" type="datetimeFigureOut">
               <a:rPr lang="nl-NL" smtClean="0"/>
-              <a:t>25-1-2021</a:t>
+              <a:t>27-1-2021</a:t>
             </a:fld>
             <a:endParaRPr lang="nl-NL"/>
           </a:p>
@@ -2098,7 +2098,7 @@
           <a:p>
             <a:fld id="{18F17D03-6466-4390-8E0E-FBC270D75924}" type="datetimeFigureOut">
               <a:rPr lang="nl-NL" smtClean="0"/>
-              <a:t>25-1-2021</a:t>
+              <a:t>27-1-2021</a:t>
             </a:fld>
             <a:endParaRPr lang="nl-NL"/>
           </a:p>
@@ -2351,7 +2351,7 @@
           <a:p>
             <a:fld id="{18F17D03-6466-4390-8E0E-FBC270D75924}" type="datetimeFigureOut">
               <a:rPr lang="nl-NL" smtClean="0"/>
-              <a:t>25-1-2021</a:t>
+              <a:t>27-1-2021</a:t>
             </a:fld>
             <a:endParaRPr lang="nl-NL"/>
           </a:p>
@@ -2564,7 +2564,7 @@
           <a:p>
             <a:fld id="{18F17D03-6466-4390-8E0E-FBC270D75924}" type="datetimeFigureOut">
               <a:rPr lang="nl-NL" smtClean="0"/>
-              <a:t>25-1-2021</a:t>
+              <a:t>27-1-2021</a:t>
             </a:fld>
             <a:endParaRPr lang="nl-NL"/>
           </a:p>
@@ -3000,7 +3000,15 @@
                   <a:schemeClr val="bg1"/>
                 </a:solidFill>
               </a:rPr>
-              <a:t>RP.Data:</a:t>
+              <a:t>RP.data</a:t>
+            </a:r>
+            <a:r>
+              <a:rPr lang="nl-NL" sz="1600" b="1" dirty="0" smtClean="0">
+                <a:solidFill>
+                  <a:schemeClr val="bg1"/>
+                </a:solidFill>
+              </a:rPr>
+              <a:t>:</a:t>
             </a:r>
           </a:p>
           <a:p>
@@ -3052,7 +3060,15 @@
                   <a:schemeClr val="bg1"/>
                 </a:solidFill>
               </a:rPr>
-              <a:t>RP.Preprocess:</a:t>
+              <a:t>RP.preprocess</a:t>
+            </a:r>
+            <a:r>
+              <a:rPr lang="nl-NL" sz="1600" b="1" dirty="0" smtClean="0">
+                <a:solidFill>
+                  <a:schemeClr val="bg1"/>
+                </a:solidFill>
+              </a:rPr>
+              <a:t>:</a:t>
             </a:r>
           </a:p>
           <a:p>
@@ -3104,7 +3120,15 @@
                   <a:schemeClr val="bg1"/>
                 </a:solidFill>
               </a:rPr>
-              <a:t>RP.Analyze:</a:t>
+              <a:t>RP.analyze</a:t>
+            </a:r>
+            <a:r>
+              <a:rPr lang="nl-NL" sz="1600" b="1" dirty="0" smtClean="0">
+                <a:solidFill>
+                  <a:schemeClr val="bg1"/>
+                </a:solidFill>
+              </a:rPr>
+              <a:t>:</a:t>
             </a:r>
           </a:p>
           <a:p>
@@ -3156,7 +3180,15 @@
                   <a:schemeClr val="bg1"/>
                 </a:solidFill>
               </a:rPr>
-              <a:t>RP.Postprocess:</a:t>
+              <a:t>RP.postprocess</a:t>
+            </a:r>
+            <a:r>
+              <a:rPr lang="nl-NL" sz="1600" b="1" dirty="0" smtClean="0">
+                <a:solidFill>
+                  <a:schemeClr val="bg1"/>
+                </a:solidFill>
+              </a:rPr>
+              <a:t>:</a:t>
             </a:r>
           </a:p>
           <a:p>
@@ -3211,15 +3243,7 @@
           <a:p>
             <a:r>
               <a:rPr lang="nl-NL" b="1" dirty="0" smtClean="0"/>
-              <a:t>Data</a:t>
-            </a:r>
-            <a:r>
-              <a:rPr lang="nl-NL" dirty="0" smtClean="0"/>
-              <a:t> </a:t>
-            </a:r>
-            <a:r>
-              <a:rPr lang="nl-NL" b="1" dirty="0" smtClean="0"/>
-              <a:t>generation</a:t>
+              <a:t>data_generation</a:t>
             </a:r>
             <a:endParaRPr lang="nl-NL" b="1" dirty="0"/>
           </a:p>
@@ -3234,8 +3258,9 @@
             </a:r>
             <a:r>
               <a:rPr lang="nl-NL" dirty="0" smtClean="0"/>
-              <a:t>andomwalk()</a:t>
-            </a:r>
+              <a:t>andom_walk_1D</a:t>
+            </a:r>
+            <a:endParaRPr lang="nl-NL" dirty="0" smtClean="0"/>
           </a:p>
           <a:p>
             <a:pPr marL="285750" indent="-285750">
@@ -3243,10 +3268,32 @@
               <a:buChar char="•"/>
             </a:pPr>
             <a:r>
-              <a:rPr lang="nl-NL" dirty="0" smtClean="0"/>
-              <a:t>brownianmotion()</a:t>
-            </a:r>
-            <a:endParaRPr lang="nl-NL" dirty="0"/>
+              <a:rPr lang="nl-NL" i="1" dirty="0" smtClean="0">
+                <a:solidFill>
+                  <a:schemeClr val="bg1">
+                    <a:lumMod val="50000"/>
+                  </a:schemeClr>
+                </a:solidFill>
+              </a:rPr>
+              <a:t>b</a:t>
+            </a:r>
+            <a:r>
+              <a:rPr lang="nl-NL" i="1" dirty="0" smtClean="0">
+                <a:solidFill>
+                  <a:schemeClr val="bg1">
+                    <a:lumMod val="50000"/>
+                  </a:schemeClr>
+                </a:solidFill>
+              </a:rPr>
+              <a:t>rownian_motion_1D</a:t>
+            </a:r>
+            <a:endParaRPr lang="nl-NL" i="1" dirty="0">
+              <a:solidFill>
+                <a:schemeClr val="bg1">
+                  <a:lumMod val="50000"/>
+                </a:schemeClr>
+              </a:solidFill>
+            </a:endParaRPr>
           </a:p>
         </p:txBody>
       </p:sp>
@@ -3283,9 +3330,14 @@
           <a:lstStyle/>
           <a:p>
             <a:r>
+              <a:rPr lang="nl-NL" b="1" dirty="0"/>
+              <a:t>d</a:t>
+            </a:r>
+            <a:r>
               <a:rPr lang="nl-NL" b="1" dirty="0" smtClean="0"/>
-              <a:t>Data importing</a:t>
-            </a:r>
+              <a:t>ata_importing</a:t>
+            </a:r>
+            <a:endParaRPr lang="nl-NL" b="1" dirty="0" smtClean="0"/>
           </a:p>
           <a:p>
             <a:pPr marL="285750" indent="-285750">
@@ -3294,7 +3346,11 @@
             </a:pPr>
             <a:r>
               <a:rPr lang="nl-NL" dirty="0" smtClean="0"/>
-              <a:t>import1D()</a:t>
+              <a:t>c</a:t>
+            </a:r>
+            <a:r>
+              <a:rPr lang="nl-NL" dirty="0" smtClean="0"/>
+              <a:t>sv_2_np</a:t>
             </a:r>
           </a:p>
           <a:p>
@@ -3303,10 +3359,15 @@
               <a:buChar char="•"/>
             </a:pPr>
             <a:r>
-              <a:rPr lang="nl-NL" dirty="0" smtClean="0"/>
-              <a:t>import2D()</a:t>
-            </a:r>
-            <a:endParaRPr lang="nl-NL" dirty="0"/>
+              <a:rPr lang="nl-NL" i="1" dirty="0" smtClean="0">
+                <a:solidFill>
+                  <a:schemeClr val="bg1">
+                    <a:lumMod val="50000"/>
+                  </a:schemeClr>
+                </a:solidFill>
+              </a:rPr>
+              <a:t>csv_2_np_2D</a:t>
+            </a:r>
           </a:p>
         </p:txBody>
       </p:sp>
@@ -3343,9 +3404,14 @@
           <a:lstStyle/>
           <a:p>
             <a:r>
+              <a:rPr lang="nl-NL" b="1" dirty="0"/>
+              <a:t>f</a:t>
+            </a:r>
+            <a:r>
               <a:rPr lang="nl-NL" b="1" dirty="0" smtClean="0"/>
-              <a:t>Filtering</a:t>
-            </a:r>
+              <a:t>iltering</a:t>
+            </a:r>
+            <a:endParaRPr lang="nl-NL" b="1" dirty="0" smtClean="0"/>
           </a:p>
           <a:p>
             <a:pPr marL="285750" indent="-285750">
@@ -3353,13 +3419,10 @@
               <a:buChar char="•"/>
             </a:pPr>
             <a:r>
-              <a:rPr lang="nl-NL" dirty="0"/>
-              <a:t>m</a:t>
-            </a:r>
-            <a:r>
               <a:rPr lang="nl-NL" dirty="0" smtClean="0"/>
-              <a:t>ovingaverage()</a:t>
-            </a:r>
+              <a:t>movingaverage</a:t>
+            </a:r>
+            <a:endParaRPr lang="nl-NL" dirty="0" smtClean="0"/>
           </a:p>
           <a:p>
             <a:pPr marL="285750" indent="-285750">
@@ -3367,14 +3430,22 @@
               <a:buChar char="•"/>
             </a:pPr>
             <a:r>
-              <a:rPr lang="nl-NL" dirty="0"/>
-              <a:t>m</a:t>
-            </a:r>
-            <a:r>
-              <a:rPr lang="nl-NL" dirty="0" smtClean="0"/>
-              <a:t>ovingmedian()</a:t>
-            </a:r>
-            <a:endParaRPr lang="nl-NL" dirty="0"/>
+              <a:rPr lang="nl-NL" i="1" dirty="0" smtClean="0">
+                <a:solidFill>
+                  <a:schemeClr val="bg1">
+                    <a:lumMod val="50000"/>
+                  </a:schemeClr>
+                </a:solidFill>
+              </a:rPr>
+              <a:t>movingmedian</a:t>
+            </a:r>
+            <a:endParaRPr lang="nl-NL" i="1" dirty="0">
+              <a:solidFill>
+                <a:schemeClr val="bg1">
+                  <a:lumMod val="50000"/>
+                </a:schemeClr>
+              </a:solidFill>
+            </a:endParaRPr>
           </a:p>
         </p:txBody>
       </p:sp>
@@ -3386,8 +3457,8 @@
         </p:nvSpPr>
         <p:spPr>
           <a:xfrm>
-            <a:off x="6388396" y="4506694"/>
-            <a:ext cx="2614214" cy="923330"/>
+            <a:off x="6388396" y="5035148"/>
+            <a:ext cx="2614214" cy="1200329"/>
           </a:xfrm>
           <a:prstGeom prst="rect">
             <a:avLst/>
@@ -3411,9 +3482,14 @@
           <a:lstStyle/>
           <a:p>
             <a:r>
+              <a:rPr lang="nl-NL" b="1" dirty="0"/>
+              <a:t>r</a:t>
+            </a:r>
+            <a:r>
               <a:rPr lang="nl-NL" b="1" dirty="0" smtClean="0"/>
-              <a:t>Regression</a:t>
-            </a:r>
+              <a:t>egression</a:t>
+            </a:r>
+            <a:endParaRPr lang="nl-NL" b="1" dirty="0" smtClean="0"/>
           </a:p>
           <a:p>
             <a:pPr marL="285750" indent="-285750">
@@ -3422,7 +3498,7 @@
             </a:pPr>
             <a:r>
               <a:rPr lang="nl-NL" dirty="0" smtClean="0"/>
-              <a:t>regress_linear()</a:t>
+              <a:t>fit_exp</a:t>
             </a:r>
           </a:p>
           <a:p>
@@ -3431,9 +3507,48 @@
               <a:buChar char="•"/>
             </a:pPr>
             <a:r>
-              <a:rPr lang="nl-NL" dirty="0" smtClean="0"/>
-              <a:t>regress_polynomial()</a:t>
-            </a:r>
+              <a:rPr lang="nl-NL" i="1" dirty="0">
+                <a:solidFill>
+                  <a:schemeClr val="bg1">
+                    <a:lumMod val="50000"/>
+                  </a:schemeClr>
+                </a:solidFill>
+              </a:rPr>
+              <a:t>f</a:t>
+            </a:r>
+            <a:r>
+              <a:rPr lang="nl-NL" i="1" dirty="0" smtClean="0">
+                <a:solidFill>
+                  <a:schemeClr val="bg1">
+                    <a:lumMod val="50000"/>
+                  </a:schemeClr>
+                </a:solidFill>
+              </a:rPr>
+              <a:t>it_lin</a:t>
+            </a:r>
+          </a:p>
+          <a:p>
+            <a:pPr marL="285750" indent="-285750">
+              <a:buFont typeface="Arial" panose="020B0604020202020204" pitchFamily="34" charset="0"/>
+              <a:buChar char="•"/>
+            </a:pPr>
+            <a:r>
+              <a:rPr lang="nl-NL" i="1" dirty="0" smtClean="0">
+                <a:solidFill>
+                  <a:schemeClr val="bg1">
+                    <a:lumMod val="50000"/>
+                  </a:schemeClr>
+                </a:solidFill>
+              </a:rPr>
+              <a:t>fit_pol</a:t>
+            </a:r>
+            <a:endParaRPr lang="nl-NL" i="1" dirty="0" smtClean="0">
+              <a:solidFill>
+                <a:schemeClr val="bg1">
+                  <a:lumMod val="50000"/>
+                </a:schemeClr>
+              </a:solidFill>
+            </a:endParaRPr>
           </a:p>
         </p:txBody>
       </p:sp>
@@ -3446,7 +3561,7 @@
         <p:spPr>
           <a:xfrm>
             <a:off x="6388395" y="3394343"/>
-            <a:ext cx="2614215" cy="923330"/>
+            <a:ext cx="2614215" cy="1477328"/>
           </a:xfrm>
           <a:prstGeom prst="rect">
             <a:avLst/>
@@ -3470,9 +3585,18 @@
           <a:lstStyle/>
           <a:p>
             <a:r>
+              <a:rPr lang="nl-NL" b="1" dirty="0"/>
+              <a:t>c</a:t>
+            </a:r>
+            <a:r>
               <a:rPr lang="nl-NL" b="1" dirty="0" smtClean="0"/>
-              <a:t>Statistics</a:t>
-            </a:r>
+              <a:t>alc_s</a:t>
+            </a:r>
+            <a:r>
+              <a:rPr lang="nl-NL" b="1" dirty="0" smtClean="0"/>
+              <a:t>tatistics</a:t>
+            </a:r>
+            <a:endParaRPr lang="nl-NL" b="1" dirty="0" smtClean="0"/>
           </a:p>
           <a:p>
             <a:pPr marL="285750" indent="-285750">
@@ -3481,8 +3605,9 @@
             </a:pPr>
             <a:r>
               <a:rPr lang="nl-NL" dirty="0" smtClean="0"/>
-              <a:t>mean()</a:t>
-            </a:r>
+              <a:t>mean</a:t>
+            </a:r>
+            <a:endParaRPr lang="nl-NL" dirty="0" smtClean="0"/>
           </a:p>
           <a:p>
             <a:pPr marL="285750" indent="-285750">
@@ -3491,22 +3616,110 @@
             </a:pPr>
             <a:r>
               <a:rPr lang="nl-NL" dirty="0" smtClean="0"/>
-              <a:t>autocorr()</a:t>
-            </a:r>
-            <a:endParaRPr lang="nl-NL" dirty="0"/>
-          </a:p>
-        </p:txBody>
-      </p:sp>
-      <p:sp>
-        <p:nvSpPr>
-          <p:cNvPr id="18" name="TextBox 17"/>
+              <a:t>mean_sqrd</a:t>
+            </a:r>
+          </a:p>
+          <a:p>
+            <a:pPr marL="285750" indent="-285750">
+              <a:buFont typeface="Arial" panose="020B0604020202020204" pitchFamily="34" charset="0"/>
+              <a:buChar char="•"/>
+            </a:pPr>
+            <a:r>
+              <a:rPr lang="nl-NL" dirty="0"/>
+              <a:t>d</a:t>
+            </a:r>
+            <a:r>
+              <a:rPr lang="nl-NL" dirty="0" smtClean="0"/>
+              <a:t>iffusion_coefficient</a:t>
+            </a:r>
+          </a:p>
+          <a:p>
+            <a:pPr marL="285750" indent="-285750">
+              <a:buFont typeface="Arial" panose="020B0604020202020204" pitchFamily="34" charset="0"/>
+              <a:buChar char="•"/>
+            </a:pPr>
+            <a:r>
+              <a:rPr lang="nl-NL" i="1" dirty="0" smtClean="0">
+                <a:solidFill>
+                  <a:schemeClr val="bg1">
+                    <a:lumMod val="50000"/>
+                  </a:schemeClr>
+                </a:solidFill>
+              </a:rPr>
+              <a:t>autocorrelation</a:t>
+            </a:r>
+            <a:endParaRPr lang="nl-NL" i="1" dirty="0">
+              <a:solidFill>
+                <a:schemeClr val="bg1">
+                  <a:lumMod val="50000"/>
+                </a:schemeClr>
+              </a:solidFill>
+            </a:endParaRPr>
+          </a:p>
+        </p:txBody>
+      </p:sp>
+      <p:sp>
+        <p:nvSpPr>
+          <p:cNvPr id="21" name="TextBox 20"/>
           <p:cNvSpPr txBox="1"/>
           <p:nvPr/>
         </p:nvSpPr>
         <p:spPr>
           <a:xfrm>
-            <a:off x="9397509" y="4506694"/>
-            <a:ext cx="2618271" cy="923330"/>
+            <a:off x="489985" y="1300291"/>
+            <a:ext cx="11205881" cy="707886"/>
+          </a:xfrm>
+          <a:prstGeom prst="rect">
+            <a:avLst/>
+          </a:prstGeom>
+          <a:solidFill>
+            <a:srgbClr val="00B0F0"/>
+          </a:solidFill>
+        </p:spPr>
+        <p:txBody>
+          <a:bodyPr wrap="square" rtlCol="0">
+            <a:spAutoFit/>
+          </a:bodyPr>
+          <a:lstStyle/>
+          <a:p>
+            <a:pPr algn="ctr"/>
+            <a:r>
+              <a:rPr lang="nl-NL" sz="2000" b="1" dirty="0" smtClean="0">
+                <a:solidFill>
+                  <a:schemeClr val="bg1"/>
+                </a:solidFill>
+              </a:rPr>
+              <a:t>RandomProcessing: </a:t>
+            </a:r>
+          </a:p>
+          <a:p>
+            <a:pPr algn="ctr"/>
+            <a:r>
+              <a:rPr lang="nl-NL" sz="2000" b="1" dirty="0" smtClean="0">
+                <a:solidFill>
+                  <a:schemeClr val="bg1"/>
+                </a:solidFill>
+              </a:rPr>
+              <a:t>a modular Python library for generating, importing, analyzing and interpreting stochastic processes</a:t>
+            </a:r>
+            <a:endParaRPr lang="nl-NL" sz="2000" b="1" dirty="0">
+              <a:solidFill>
+                <a:schemeClr val="bg1"/>
+              </a:solidFill>
+            </a:endParaRPr>
+          </a:p>
+        </p:txBody>
+      </p:sp>
+      <p:sp>
+        <p:nvSpPr>
+          <p:cNvPr id="22" name="TextBox 21"/>
+          <p:cNvSpPr txBox="1"/>
+          <p:nvPr/>
+        </p:nvSpPr>
+        <p:spPr>
+          <a:xfrm>
+            <a:off x="9401565" y="3407231"/>
+            <a:ext cx="2614215" cy="646331"/>
           </a:xfrm>
           <a:prstGeom prst="rect">
             <a:avLst/>
@@ -3530,9 +3743,32 @@
           <a:lstStyle/>
           <a:p>
             <a:r>
-              <a:rPr lang="nl-NL" b="1" dirty="0" smtClean="0"/>
-              <a:t>Visualization</a:t>
-            </a:r>
+              <a:rPr lang="nl-NL" b="1" i="1" dirty="0">
+                <a:solidFill>
+                  <a:schemeClr val="bg1">
+                    <a:lumMod val="50000"/>
+                  </a:schemeClr>
+                </a:solidFill>
+              </a:rPr>
+              <a:t>p</a:t>
+            </a:r>
+            <a:r>
+              <a:rPr lang="nl-NL" b="1" i="1" dirty="0" smtClean="0">
+                <a:solidFill>
+                  <a:schemeClr val="bg1">
+                    <a:lumMod val="50000"/>
+                  </a:schemeClr>
+                </a:solidFill>
+              </a:rPr>
+              <a:t>ostprocessing</a:t>
+            </a:r>
+            <a:endParaRPr lang="nl-NL" b="1" i="1" dirty="0" smtClean="0">
+              <a:solidFill>
+                <a:schemeClr val="bg1">
+                  <a:lumMod val="50000"/>
+                </a:schemeClr>
+              </a:solidFill>
+            </a:endParaRPr>
           </a:p>
           <a:p>
             <a:pPr marL="285750" indent="-285750">
@@ -3540,132 +3776,42 @@
               <a:buChar char="•"/>
             </a:pPr>
             <a:r>
-              <a:rPr lang="nl-NL" dirty="0" smtClean="0"/>
-              <a:t>plot_process()</a:t>
-            </a:r>
-          </a:p>
-          <a:p>
-            <a:pPr marL="285750" indent="-285750">
-              <a:buFont typeface="Arial" panose="020B0604020202020204" pitchFamily="34" charset="0"/>
-              <a:buChar char="•"/>
-            </a:pPr>
-            <a:r>
-              <a:rPr lang="nl-NL" dirty="0" smtClean="0"/>
-              <a:t>plot_statistic()</a:t>
-            </a:r>
-            <a:endParaRPr lang="nl-NL" dirty="0"/>
-          </a:p>
-        </p:txBody>
-      </p:sp>
-      <p:sp>
-        <p:nvSpPr>
-          <p:cNvPr id="21" name="TextBox 20"/>
-          <p:cNvSpPr txBox="1"/>
-          <p:nvPr/>
-        </p:nvSpPr>
-        <p:spPr>
-          <a:xfrm>
-            <a:off x="489985" y="1300291"/>
-            <a:ext cx="11205881" cy="707886"/>
-          </a:xfrm>
-          <a:prstGeom prst="rect">
-            <a:avLst/>
-          </a:prstGeom>
-          <a:solidFill>
-            <a:srgbClr val="00B0F0"/>
-          </a:solidFill>
-        </p:spPr>
-        <p:txBody>
-          <a:bodyPr wrap="square" rtlCol="0">
-            <a:spAutoFit/>
-          </a:bodyPr>
-          <a:lstStyle/>
-          <a:p>
-            <a:pPr algn="ctr"/>
-            <a:r>
-              <a:rPr lang="nl-NL" sz="2000" b="1" dirty="0" smtClean="0">
+              <a:rPr lang="nl-NL" i="1" dirty="0">
                 <a:solidFill>
-                  <a:schemeClr val="bg1"/>
+                  <a:schemeClr val="bg1">
+                    <a:lumMod val="50000"/>
+                  </a:schemeClr>
                 </a:solidFill>
               </a:rPr>
-              <a:t>RandomProcessing: </a:t>
-            </a:r>
-          </a:p>
-          <a:p>
-            <a:pPr algn="ctr"/>
-            <a:r>
-              <a:rPr lang="nl-NL" sz="2000" b="1" dirty="0" smtClean="0">
+              <a:t>d</a:t>
+            </a:r>
+            <a:r>
+              <a:rPr lang="nl-NL" i="1" dirty="0" smtClean="0">
                 <a:solidFill>
-                  <a:schemeClr val="bg1"/>
+                  <a:schemeClr val="bg1">
+                    <a:lumMod val="50000"/>
+                  </a:schemeClr>
                 </a:solidFill>
               </a:rPr>
-              <a:t>a modular Python library for generating, importing, analyzing and interpreting stochastic processes</a:t>
-            </a:r>
-            <a:endParaRPr lang="nl-NL" sz="2000" b="1" dirty="0">
+              <a:t>rift_corr</a:t>
+            </a:r>
+            <a:r>
+              <a:rPr lang="nl-NL" i="1" dirty="0" smtClean="0">
+                <a:solidFill>
+                  <a:schemeClr val="bg1">
+                    <a:lumMod val="50000"/>
+                  </a:schemeClr>
+                </a:solidFill>
+              </a:rPr>
+              <a:t>()</a:t>
+            </a:r>
+            <a:endParaRPr lang="nl-NL" i="1" dirty="0" smtClean="0">
               <a:solidFill>
-                <a:schemeClr val="bg1"/>
+                <a:schemeClr val="bg1">
+                  <a:lumMod val="50000"/>
+                </a:schemeClr>
               </a:solidFill>
             </a:endParaRPr>
-          </a:p>
-        </p:txBody>
-      </p:sp>
-      <p:sp>
-        <p:nvSpPr>
-          <p:cNvPr id="22" name="TextBox 21"/>
-          <p:cNvSpPr txBox="1"/>
-          <p:nvPr/>
-        </p:nvSpPr>
-        <p:spPr>
-          <a:xfrm>
-            <a:off x="9401565" y="3407231"/>
-            <a:ext cx="2614215" cy="923330"/>
-          </a:xfrm>
-          <a:prstGeom prst="rect">
-            <a:avLst/>
-          </a:prstGeom>
-          <a:solidFill>
-            <a:schemeClr val="tx2">
-              <a:lumMod val="20000"/>
-              <a:lumOff val="80000"/>
-            </a:schemeClr>
-          </a:solidFill>
-          <a:ln>
-            <a:solidFill>
-              <a:srgbClr val="002060"/>
-            </a:solidFill>
-          </a:ln>
-        </p:spPr>
-        <p:txBody>
-          <a:bodyPr wrap="square" rtlCol="0">
-            <a:spAutoFit/>
-          </a:bodyPr>
-          <a:lstStyle/>
-          <a:p>
-            <a:r>
-              <a:rPr lang="nl-NL" b="1" dirty="0" smtClean="0"/>
-              <a:t>Postprocessing</a:t>
-            </a:r>
-          </a:p>
-          <a:p>
-            <a:pPr marL="285750" indent="-285750">
-              <a:buFont typeface="Arial" panose="020B0604020202020204" pitchFamily="34" charset="0"/>
-              <a:buChar char="•"/>
-            </a:pPr>
-            <a:r>
-              <a:rPr lang="nl-NL" dirty="0"/>
-              <a:t>d</a:t>
-            </a:r>
-            <a:r>
-              <a:rPr lang="nl-NL" dirty="0" smtClean="0"/>
-              <a:t>rift_corr()</a:t>
-            </a:r>
-          </a:p>
-          <a:p>
-            <a:pPr marL="285750" indent="-285750">
-              <a:buFont typeface="Arial" panose="020B0604020202020204" pitchFamily="34" charset="0"/>
-              <a:buChar char="•"/>
-            </a:pPr>
-            <a:endParaRPr lang="nl-NL" dirty="0" smtClean="0"/>
           </a:p>
         </p:txBody>
       </p:sp>
@@ -3702,9 +3848,32 @@
           <a:lstStyle/>
           <a:p>
             <a:r>
-              <a:rPr lang="nl-NL" b="1" dirty="0" smtClean="0"/>
-              <a:t>Windowing</a:t>
-            </a:r>
+              <a:rPr lang="nl-NL" b="1" i="1" dirty="0">
+                <a:solidFill>
+                  <a:schemeClr val="bg1">
+                    <a:lumMod val="50000"/>
+                  </a:schemeClr>
+                </a:solidFill>
+              </a:rPr>
+              <a:t>w</a:t>
+            </a:r>
+            <a:r>
+              <a:rPr lang="nl-NL" b="1" i="1" dirty="0" smtClean="0">
+                <a:solidFill>
+                  <a:schemeClr val="bg1">
+                    <a:lumMod val="50000"/>
+                  </a:schemeClr>
+                </a:solidFill>
+              </a:rPr>
+              <a:t>indowing</a:t>
+            </a:r>
+            <a:endParaRPr lang="nl-NL" b="1" i="1" dirty="0" smtClean="0">
+              <a:solidFill>
+                <a:schemeClr val="bg1">
+                  <a:lumMod val="50000"/>
+                </a:schemeClr>
+              </a:solidFill>
+            </a:endParaRPr>
           </a:p>
           <a:p>
             <a:pPr marL="285750" indent="-285750">
@@ -3712,9 +3881,22 @@
               <a:buChar char="•"/>
             </a:pPr>
             <a:r>
-              <a:rPr lang="nl-NL" dirty="0" smtClean="0"/>
-              <a:t>window_rectangular()</a:t>
-            </a:r>
+              <a:rPr lang="nl-NL" i="1" dirty="0" smtClean="0">
+                <a:solidFill>
+                  <a:schemeClr val="bg1">
+                    <a:lumMod val="50000"/>
+                  </a:schemeClr>
+                </a:solidFill>
+              </a:rPr>
+              <a:t>window_rectangular</a:t>
+            </a:r>
+            <a:endParaRPr lang="nl-NL" i="1" dirty="0" smtClean="0">
+              <a:solidFill>
+                <a:schemeClr val="bg1">
+                  <a:lumMod val="50000"/>
+                </a:schemeClr>
+              </a:solidFill>
+            </a:endParaRPr>
           </a:p>
           <a:p>
             <a:pPr marL="285750" indent="-285750">
@@ -3722,10 +3904,22 @@
               <a:buChar char="•"/>
             </a:pPr>
             <a:r>
-              <a:rPr lang="nl-NL" dirty="0" smtClean="0"/>
-              <a:t>window_gaussian()</a:t>
-            </a:r>
-            <a:endParaRPr lang="nl-NL" dirty="0"/>
+              <a:rPr lang="nl-NL" i="1" dirty="0" smtClean="0">
+                <a:solidFill>
+                  <a:schemeClr val="bg1">
+                    <a:lumMod val="50000"/>
+                  </a:schemeClr>
+                </a:solidFill>
+              </a:rPr>
+              <a:t>window_gaussian</a:t>
+            </a:r>
+            <a:endParaRPr lang="nl-NL" i="1" dirty="0">
+              <a:solidFill>
+                <a:schemeClr val="bg1">
+                  <a:lumMod val="50000"/>
+                </a:schemeClr>
+              </a:solidFill>
+            </a:endParaRPr>
           </a:p>
         </p:txBody>
       </p:sp>

--- a/random-processing.pptx
+++ b/random-processing.pptx
@@ -3000,15 +3000,7 @@
                   <a:schemeClr val="bg1"/>
                 </a:solidFill>
               </a:rPr>
-              <a:t>RP.data</a:t>
-            </a:r>
-            <a:r>
-              <a:rPr lang="nl-NL" sz="1600" b="1" dirty="0" smtClean="0">
-                <a:solidFill>
-                  <a:schemeClr val="bg1"/>
-                </a:solidFill>
-              </a:rPr>
-              <a:t>:</a:t>
+              <a:t>RP.data:</a:t>
             </a:r>
           </a:p>
           <a:p>
@@ -3060,15 +3052,7 @@
                   <a:schemeClr val="bg1"/>
                 </a:solidFill>
               </a:rPr>
-              <a:t>RP.preprocess</a:t>
-            </a:r>
-            <a:r>
-              <a:rPr lang="nl-NL" sz="1600" b="1" dirty="0" smtClean="0">
-                <a:solidFill>
-                  <a:schemeClr val="bg1"/>
-                </a:solidFill>
-              </a:rPr>
-              <a:t>:</a:t>
+              <a:t>RP.preprocess:</a:t>
             </a:r>
           </a:p>
           <a:p>
@@ -3120,15 +3104,7 @@
                   <a:schemeClr val="bg1"/>
                 </a:solidFill>
               </a:rPr>
-              <a:t>RP.analyze</a:t>
-            </a:r>
-            <a:r>
-              <a:rPr lang="nl-NL" sz="1600" b="1" dirty="0" smtClean="0">
-                <a:solidFill>
-                  <a:schemeClr val="bg1"/>
-                </a:solidFill>
-              </a:rPr>
-              <a:t>:</a:t>
+              <a:t>RP.analyze:</a:t>
             </a:r>
           </a:p>
           <a:p>
@@ -3180,15 +3156,7 @@
                   <a:schemeClr val="bg1"/>
                 </a:solidFill>
               </a:rPr>
-              <a:t>RP.postprocess</a:t>
-            </a:r>
-            <a:r>
-              <a:rPr lang="nl-NL" sz="1600" b="1" dirty="0" smtClean="0">
-                <a:solidFill>
-                  <a:schemeClr val="bg1"/>
-                </a:solidFill>
-              </a:rPr>
-              <a:t>:</a:t>
+              <a:t>RP.postprocess:</a:t>
             </a:r>
           </a:p>
           <a:p>
@@ -3260,7 +3228,6 @@
               <a:rPr lang="nl-NL" dirty="0" smtClean="0"/>
               <a:t>andom_walk_1D</a:t>
             </a:r>
-            <a:endParaRPr lang="nl-NL" dirty="0" smtClean="0"/>
           </a:p>
           <a:p>
             <a:pPr marL="285750" indent="-285750">
@@ -3275,17 +3242,7 @@
                   </a:schemeClr>
                 </a:solidFill>
               </a:rPr>
-              <a:t>b</a:t>
-            </a:r>
-            <a:r>
-              <a:rPr lang="nl-NL" i="1" dirty="0" smtClean="0">
-                <a:solidFill>
-                  <a:schemeClr val="bg1">
-                    <a:lumMod val="50000"/>
-                  </a:schemeClr>
-                </a:solidFill>
-              </a:rPr>
-              <a:t>rownian_motion_1D</a:t>
+              <a:t>brownian_motion_1D</a:t>
             </a:r>
             <a:endParaRPr lang="nl-NL" i="1" dirty="0">
               <a:solidFill>
@@ -3337,7 +3294,6 @@
               <a:rPr lang="nl-NL" b="1" dirty="0" smtClean="0"/>
               <a:t>ata_importing</a:t>
             </a:r>
-            <a:endParaRPr lang="nl-NL" b="1" dirty="0" smtClean="0"/>
           </a:p>
           <a:p>
             <a:pPr marL="285750" indent="-285750">
@@ -3346,11 +3302,7 @@
             </a:pPr>
             <a:r>
               <a:rPr lang="nl-NL" dirty="0" smtClean="0"/>
-              <a:t>c</a:t>
-            </a:r>
-            <a:r>
-              <a:rPr lang="nl-NL" dirty="0" smtClean="0"/>
-              <a:t>sv_2_np</a:t>
+              <a:t>csv_2_np</a:t>
             </a:r>
           </a:p>
           <a:p>
@@ -3411,7 +3363,6 @@
               <a:rPr lang="nl-NL" b="1" dirty="0" smtClean="0"/>
               <a:t>iltering</a:t>
             </a:r>
-            <a:endParaRPr lang="nl-NL" b="1" dirty="0" smtClean="0"/>
           </a:p>
           <a:p>
             <a:pPr marL="285750" indent="-285750">
@@ -3422,7 +3373,6 @@
               <a:rPr lang="nl-NL" dirty="0" smtClean="0"/>
               <a:t>movingaverage</a:t>
             </a:r>
-            <a:endParaRPr lang="nl-NL" dirty="0" smtClean="0"/>
           </a:p>
           <a:p>
             <a:pPr marL="285750" indent="-285750">
@@ -3489,7 +3439,6 @@
               <a:rPr lang="nl-NL" b="1" dirty="0" smtClean="0"/>
               <a:t>egression</a:t>
             </a:r>
-            <a:endParaRPr lang="nl-NL" b="1" dirty="0" smtClean="0"/>
           </a:p>
           <a:p>
             <a:pPr marL="285750" indent="-285750">
@@ -3499,6 +3448,16 @@
             <a:r>
               <a:rPr lang="nl-NL" dirty="0" smtClean="0"/>
               <a:t>fit_exp</a:t>
+            </a:r>
+          </a:p>
+          <a:p>
+            <a:pPr marL="285750" indent="-285750">
+              <a:buFont typeface="Arial" panose="020B0604020202020204" pitchFamily="34" charset="0"/>
+              <a:buChar char="•"/>
+            </a:pPr>
+            <a:r>
+              <a:rPr lang="nl-NL" dirty="0" smtClean="0"/>
+              <a:t>fit_poly</a:t>
             </a:r>
           </a:p>
           <a:p>
@@ -3525,22 +3484,6 @@
                 </a:solidFill>
               </a:rPr>
               <a:t>it_lin</a:t>
-            </a:r>
-          </a:p>
-          <a:p>
-            <a:pPr marL="285750" indent="-285750">
-              <a:buFont typeface="Arial" panose="020B0604020202020204" pitchFamily="34" charset="0"/>
-              <a:buChar char="•"/>
-            </a:pPr>
-            <a:r>
-              <a:rPr lang="nl-NL" i="1" dirty="0" smtClean="0">
-                <a:solidFill>
-                  <a:schemeClr val="bg1">
-                    <a:lumMod val="50000"/>
-                  </a:schemeClr>
-                </a:solidFill>
-              </a:rPr>
-              <a:t>fit_pol</a:t>
             </a:r>
             <a:endParaRPr lang="nl-NL" i="1" dirty="0" smtClean="0">
               <a:solidFill>
@@ -3590,13 +3533,8 @@
             </a:r>
             <a:r>
               <a:rPr lang="nl-NL" b="1" dirty="0" smtClean="0"/>
-              <a:t>alc_s</a:t>
-            </a:r>
-            <a:r>
-              <a:rPr lang="nl-NL" b="1" dirty="0" smtClean="0"/>
-              <a:t>tatistics</a:t>
-            </a:r>
-            <a:endParaRPr lang="nl-NL" b="1" dirty="0" smtClean="0"/>
+              <a:t>alc_statistics</a:t>
+            </a:r>
           </a:p>
           <a:p>
             <a:pPr marL="285750" indent="-285750">
@@ -3607,7 +3545,6 @@
               <a:rPr lang="nl-NL" dirty="0" smtClean="0"/>
               <a:t>mean</a:t>
             </a:r>
-            <a:endParaRPr lang="nl-NL" dirty="0" smtClean="0"/>
           </a:p>
           <a:p>
             <a:pPr marL="285750" indent="-285750">
@@ -3762,13 +3699,6 @@
               </a:rPr>
               <a:t>ostprocessing</a:t>
             </a:r>
-            <a:endParaRPr lang="nl-NL" b="1" i="1" dirty="0" smtClean="0">
-              <a:solidFill>
-                <a:schemeClr val="bg1">
-                  <a:lumMod val="50000"/>
-                </a:schemeClr>
-              </a:solidFill>
-            </a:endParaRPr>
           </a:p>
           <a:p>
             <a:pPr marL="285750" indent="-285750">
@@ -3793,25 +3723,8 @@
                   </a:schemeClr>
                 </a:solidFill>
               </a:rPr>
-              <a:t>rift_corr</a:t>
-            </a:r>
-            <a:r>
-              <a:rPr lang="nl-NL" i="1" dirty="0" smtClean="0">
-                <a:solidFill>
-                  <a:schemeClr val="bg1">
-                    <a:lumMod val="50000"/>
-                  </a:schemeClr>
-                </a:solidFill>
-              </a:rPr>
-              <a:t>()</a:t>
-            </a:r>
-            <a:endParaRPr lang="nl-NL" i="1" dirty="0" smtClean="0">
-              <a:solidFill>
-                <a:schemeClr val="bg1">
-                  <a:lumMod val="50000"/>
-                </a:schemeClr>
-              </a:solidFill>
-            </a:endParaRPr>
+              <a:t>rift_corr()</a:t>
+            </a:r>
           </a:p>
         </p:txBody>
       </p:sp>
@@ -3867,13 +3780,6 @@
               </a:rPr>
               <a:t>indowing</a:t>
             </a:r>
-            <a:endParaRPr lang="nl-NL" b="1" i="1" dirty="0" smtClean="0">
-              <a:solidFill>
-                <a:schemeClr val="bg1">
-                  <a:lumMod val="50000"/>
-                </a:schemeClr>
-              </a:solidFill>
-            </a:endParaRPr>
           </a:p>
           <a:p>
             <a:pPr marL="285750" indent="-285750">
@@ -3890,13 +3796,6 @@
               </a:rPr>
               <a:t>window_rectangular</a:t>
             </a:r>
-            <a:endParaRPr lang="nl-NL" i="1" dirty="0" smtClean="0">
-              <a:solidFill>
-                <a:schemeClr val="bg1">
-                  <a:lumMod val="50000"/>
-                </a:schemeClr>
-              </a:solidFill>
-            </a:endParaRPr>
           </a:p>
           <a:p>
             <a:pPr marL="285750" indent="-285750">
